--- a/2020_10_30_covid_usa_analysis_draft.pptx
+++ b/2020_10_30_covid_usa_analysis_draft.pptx
@@ -13,16 +13,18 @@
     <p:sldId id="262" r:id="rId7"/>
     <p:sldId id="264" r:id="rId8"/>
     <p:sldId id="265" r:id="rId9"/>
-    <p:sldId id="274" r:id="rId10"/>
-    <p:sldId id="275" r:id="rId11"/>
-    <p:sldId id="272" r:id="rId12"/>
-    <p:sldId id="273" r:id="rId13"/>
-    <p:sldId id="270" r:id="rId14"/>
-    <p:sldId id="271" r:id="rId15"/>
-    <p:sldId id="268" r:id="rId16"/>
-    <p:sldId id="269" r:id="rId17"/>
-    <p:sldId id="267" r:id="rId18"/>
-    <p:sldId id="266" r:id="rId19"/>
+    <p:sldId id="276" r:id="rId10"/>
+    <p:sldId id="277" r:id="rId11"/>
+    <p:sldId id="274" r:id="rId12"/>
+    <p:sldId id="275" r:id="rId13"/>
+    <p:sldId id="272" r:id="rId14"/>
+    <p:sldId id="273" r:id="rId15"/>
+    <p:sldId id="270" r:id="rId16"/>
+    <p:sldId id="271" r:id="rId17"/>
+    <p:sldId id="268" r:id="rId18"/>
+    <p:sldId id="269" r:id="rId19"/>
+    <p:sldId id="267" r:id="rId20"/>
+    <p:sldId id="266" r:id="rId21"/>
   </p:sldIdLst>
   <p:sldSz cx="12192000" cy="6858000"/>
   <p:notesSz cx="6858000" cy="9144000"/>
@@ -121,6 +123,11 @@
       </a:defRPr>
     </a:lvl9pPr>
   </p:defaultTextStyle>
+  <p:extLst>
+    <p:ext uri="{EFAFB233-063F-42B5-8137-9DF3F51BA10A}">
+      <p15:sldGuideLst xmlns:p15="http://schemas.microsoft.com/office/powerpoint/2012/main"/>
+    </p:ext>
+  </p:extLst>
 </p:presentation>
 </file>
 
@@ -271,7 +278,7 @@
           <a:p>
             <a:fld id="{C5228E36-97FC-4C74-BA8B-E69A19101CDC}" type="datetimeFigureOut">
               <a:rPr lang="en-US" smtClean="0"/>
-              <a:t>10/28/2020</a:t>
+              <a:t>10/29/2020</a:t>
             </a:fld>
             <a:endParaRPr lang="en-US"/>
           </a:p>
@@ -469,7 +476,7 @@
           <a:p>
             <a:fld id="{C5228E36-97FC-4C74-BA8B-E69A19101CDC}" type="datetimeFigureOut">
               <a:rPr lang="en-US" smtClean="0"/>
-              <a:t>10/28/2020</a:t>
+              <a:t>10/29/2020</a:t>
             </a:fld>
             <a:endParaRPr lang="en-US"/>
           </a:p>
@@ -677,7 +684,7 @@
           <a:p>
             <a:fld id="{C5228E36-97FC-4C74-BA8B-E69A19101CDC}" type="datetimeFigureOut">
               <a:rPr lang="en-US" smtClean="0"/>
-              <a:t>10/28/2020</a:t>
+              <a:t>10/29/2020</a:t>
             </a:fld>
             <a:endParaRPr lang="en-US"/>
           </a:p>
@@ -875,7 +882,7 @@
           <a:p>
             <a:fld id="{C5228E36-97FC-4C74-BA8B-E69A19101CDC}" type="datetimeFigureOut">
               <a:rPr lang="en-US" smtClean="0"/>
-              <a:t>10/28/2020</a:t>
+              <a:t>10/29/2020</a:t>
             </a:fld>
             <a:endParaRPr lang="en-US"/>
           </a:p>
@@ -1150,7 +1157,7 @@
           <a:p>
             <a:fld id="{C5228E36-97FC-4C74-BA8B-E69A19101CDC}" type="datetimeFigureOut">
               <a:rPr lang="en-US" smtClean="0"/>
-              <a:t>10/28/2020</a:t>
+              <a:t>10/29/2020</a:t>
             </a:fld>
             <a:endParaRPr lang="en-US"/>
           </a:p>
@@ -1415,7 +1422,7 @@
           <a:p>
             <a:fld id="{C5228E36-97FC-4C74-BA8B-E69A19101CDC}" type="datetimeFigureOut">
               <a:rPr lang="en-US" smtClean="0"/>
-              <a:t>10/28/2020</a:t>
+              <a:t>10/29/2020</a:t>
             </a:fld>
             <a:endParaRPr lang="en-US"/>
           </a:p>
@@ -1827,7 +1834,7 @@
           <a:p>
             <a:fld id="{C5228E36-97FC-4C74-BA8B-E69A19101CDC}" type="datetimeFigureOut">
               <a:rPr lang="en-US" smtClean="0"/>
-              <a:t>10/28/2020</a:t>
+              <a:t>10/29/2020</a:t>
             </a:fld>
             <a:endParaRPr lang="en-US"/>
           </a:p>
@@ -1968,7 +1975,7 @@
           <a:p>
             <a:fld id="{C5228E36-97FC-4C74-BA8B-E69A19101CDC}" type="datetimeFigureOut">
               <a:rPr lang="en-US" smtClean="0"/>
-              <a:t>10/28/2020</a:t>
+              <a:t>10/29/2020</a:t>
             </a:fld>
             <a:endParaRPr lang="en-US"/>
           </a:p>
@@ -2081,7 +2088,7 @@
           <a:p>
             <a:fld id="{C5228E36-97FC-4C74-BA8B-E69A19101CDC}" type="datetimeFigureOut">
               <a:rPr lang="en-US" smtClean="0"/>
-              <a:t>10/28/2020</a:t>
+              <a:t>10/29/2020</a:t>
             </a:fld>
             <a:endParaRPr lang="en-US"/>
           </a:p>
@@ -2392,7 +2399,7 @@
           <a:p>
             <a:fld id="{C5228E36-97FC-4C74-BA8B-E69A19101CDC}" type="datetimeFigureOut">
               <a:rPr lang="en-US" smtClean="0"/>
-              <a:t>10/28/2020</a:t>
+              <a:t>10/29/2020</a:t>
             </a:fld>
             <a:endParaRPr lang="en-US"/>
           </a:p>
@@ -2680,7 +2687,7 @@
           <a:p>
             <a:fld id="{C5228E36-97FC-4C74-BA8B-E69A19101CDC}" type="datetimeFigureOut">
               <a:rPr lang="en-US" smtClean="0"/>
-              <a:t>10/28/2020</a:t>
+              <a:t>10/29/2020</a:t>
             </a:fld>
             <a:endParaRPr lang="en-US"/>
           </a:p>
@@ -2921,7 +2928,7 @@
           <a:p>
             <a:fld id="{C5228E36-97FC-4C74-BA8B-E69A19101CDC}" type="datetimeFigureOut">
               <a:rPr lang="en-US" smtClean="0"/>
-              <a:t>10/28/2020</a:t>
+              <a:t>10/29/2020</a:t>
             </a:fld>
             <a:endParaRPr lang="en-US"/>
           </a:p>
@@ -3833,17 +3840,17 @@
           <a:p>
             <a:r>
               <a:rPr lang="en-US" dirty="0"/>
-              <a:t>California Actual vs. Predicted Cases/100 People</a:t>
+              <a:t>General Actual vs. Predicted Cases/100 People</a:t>
             </a:r>
           </a:p>
         </p:txBody>
       </p:sp>
       <p:pic>
         <p:nvPicPr>
-          <p:cNvPr id="6" name="Content Placeholder 5" descr="Chart, scatter chart&#10;&#10;Description automatically generated">
-            <a:extLst>
-              <a:ext uri="{FF2B5EF4-FFF2-40B4-BE49-F238E27FC236}">
-                <a16:creationId xmlns:a16="http://schemas.microsoft.com/office/drawing/2014/main" id="{32FA699D-B6E4-4CA4-839E-D2C23BD897BA}"/>
+          <p:cNvPr id="7" name="Content Placeholder 6" descr="Chart, scatter chart&#10;&#10;Description automatically generated">
+            <a:extLst>
+              <a:ext uri="{FF2B5EF4-FFF2-40B4-BE49-F238E27FC236}">
+                <a16:creationId xmlns:a16="http://schemas.microsoft.com/office/drawing/2014/main" id="{1247610D-2E77-461B-A9A8-3FAA4CD1EBA8}"/>
               </a:ext>
             </a:extLst>
           </p:cNvPr>
@@ -3868,15 +3875,15 @@
         </p:blipFill>
         <p:spPr>
           <a:xfrm>
-            <a:off x="3467100" y="1915319"/>
-            <a:ext cx="5257800" cy="4171950"/>
+            <a:off x="3429000" y="1905794"/>
+            <a:ext cx="5334000" cy="4191000"/>
           </a:xfrm>
         </p:spPr>
       </p:pic>
     </p:spTree>
     <p:extLst>
       <p:ext uri="{BB962C8B-B14F-4D97-AF65-F5344CB8AC3E}">
-        <p14:creationId xmlns:p14="http://schemas.microsoft.com/office/powerpoint/2010/main" val="2889397979"/>
+        <p14:creationId xmlns:p14="http://schemas.microsoft.com/office/powerpoint/2010/main" val="1129408995"/>
       </p:ext>
     </p:extLst>
   </p:cSld>
@@ -3926,17 +3933,17 @@
           <a:p>
             <a:r>
               <a:rPr lang="en-US" dirty="0"/>
-              <a:t>Illinois Model Coefficients</a:t>
+              <a:t>California Model Coefficients</a:t>
             </a:r>
           </a:p>
         </p:txBody>
       </p:sp>
       <p:pic>
         <p:nvPicPr>
-          <p:cNvPr id="7" name="Content Placeholder 6" descr="Chart&#10;&#10;Description automatically generated">
-            <a:extLst>
-              <a:ext uri="{FF2B5EF4-FFF2-40B4-BE49-F238E27FC236}">
-                <a16:creationId xmlns:a16="http://schemas.microsoft.com/office/drawing/2014/main" id="{3066AB76-57A6-4B55-90F7-08175CA11518}"/>
+          <p:cNvPr id="6" name="Content Placeholder 5" descr="Chart, bar chart&#10;&#10;Description automatically generated">
+            <a:extLst>
+              <a:ext uri="{FF2B5EF4-FFF2-40B4-BE49-F238E27FC236}">
+                <a16:creationId xmlns:a16="http://schemas.microsoft.com/office/drawing/2014/main" id="{8A4F7D4B-AA58-429B-8054-981A48F8C550}"/>
               </a:ext>
             </a:extLst>
           </p:cNvPr>
@@ -3961,15 +3968,15 @@
         </p:blipFill>
         <p:spPr>
           <a:xfrm>
-            <a:off x="3013802" y="1825625"/>
-            <a:ext cx="6164395" cy="4351338"/>
+            <a:off x="3032303" y="1825625"/>
+            <a:ext cx="6127394" cy="4351338"/>
           </a:xfrm>
         </p:spPr>
       </p:pic>
     </p:spTree>
     <p:extLst>
       <p:ext uri="{BB962C8B-B14F-4D97-AF65-F5344CB8AC3E}">
-        <p14:creationId xmlns:p14="http://schemas.microsoft.com/office/powerpoint/2010/main" val="2117621305"/>
+        <p14:creationId xmlns:p14="http://schemas.microsoft.com/office/powerpoint/2010/main" val="2011269752"/>
       </p:ext>
     </p:extLst>
   </p:cSld>
@@ -4024,17 +4031,17 @@
           <a:p>
             <a:r>
               <a:rPr lang="en-US" dirty="0"/>
-              <a:t>Illinois Actual vs. Predicted Cases/100 People</a:t>
+              <a:t>California Actual vs. Predicted Cases/100 People</a:t>
             </a:r>
           </a:p>
         </p:txBody>
       </p:sp>
       <p:pic>
         <p:nvPicPr>
-          <p:cNvPr id="7" name="Content Placeholder 6" descr="Chart, scatter chart&#10;&#10;Description automatically generated">
-            <a:extLst>
-              <a:ext uri="{FF2B5EF4-FFF2-40B4-BE49-F238E27FC236}">
-                <a16:creationId xmlns:a16="http://schemas.microsoft.com/office/drawing/2014/main" id="{34ADBC9F-1070-460B-9826-FB93BD86CB62}"/>
+          <p:cNvPr id="6" name="Content Placeholder 5" descr="Chart, scatter chart&#10;&#10;Description automatically generated">
+            <a:extLst>
+              <a:ext uri="{FF2B5EF4-FFF2-40B4-BE49-F238E27FC236}">
+                <a16:creationId xmlns:a16="http://schemas.microsoft.com/office/drawing/2014/main" id="{32FA699D-B6E4-4CA4-839E-D2C23BD897BA}"/>
               </a:ext>
             </a:extLst>
           </p:cNvPr>
@@ -4059,15 +4066,15 @@
         </p:blipFill>
         <p:spPr>
           <a:xfrm>
-            <a:off x="3357562" y="1922122"/>
-            <a:ext cx="5476875" cy="4114800"/>
+            <a:off x="3467100" y="1915319"/>
+            <a:ext cx="5257800" cy="4171950"/>
           </a:xfrm>
         </p:spPr>
       </p:pic>
     </p:spTree>
     <p:extLst>
       <p:ext uri="{BB962C8B-B14F-4D97-AF65-F5344CB8AC3E}">
-        <p14:creationId xmlns:p14="http://schemas.microsoft.com/office/powerpoint/2010/main" val="2192931704"/>
+        <p14:creationId xmlns:p14="http://schemas.microsoft.com/office/powerpoint/2010/main" val="2889397979"/>
       </p:ext>
     </p:extLst>
   </p:cSld>
@@ -4117,17 +4124,17 @@
           <a:p>
             <a:r>
               <a:rPr lang="en-US" dirty="0"/>
-              <a:t>Florida Model Coefficients</a:t>
+              <a:t>Illinois Model Coefficients</a:t>
             </a:r>
           </a:p>
         </p:txBody>
       </p:sp>
       <p:pic>
         <p:nvPicPr>
-          <p:cNvPr id="6" name="Content Placeholder 5" descr="Chart, bar chart&#10;&#10;Description automatically generated">
-            <a:extLst>
-              <a:ext uri="{FF2B5EF4-FFF2-40B4-BE49-F238E27FC236}">
-                <a16:creationId xmlns:a16="http://schemas.microsoft.com/office/drawing/2014/main" id="{AA003D15-BB49-4788-832D-AAE06D2DA9D4}"/>
+          <p:cNvPr id="7" name="Content Placeholder 6" descr="Chart&#10;&#10;Description automatically generated">
+            <a:extLst>
+              <a:ext uri="{FF2B5EF4-FFF2-40B4-BE49-F238E27FC236}">
+                <a16:creationId xmlns:a16="http://schemas.microsoft.com/office/drawing/2014/main" id="{3066AB76-57A6-4B55-90F7-08175CA11518}"/>
               </a:ext>
             </a:extLst>
           </p:cNvPr>
@@ -4152,15 +4159,15 @@
         </p:blipFill>
         <p:spPr>
           <a:xfrm>
-            <a:off x="2501614" y="1825625"/>
-            <a:ext cx="7188772" cy="4351338"/>
+            <a:off x="3013802" y="1825625"/>
+            <a:ext cx="6164395" cy="4351338"/>
           </a:xfrm>
         </p:spPr>
       </p:pic>
     </p:spTree>
     <p:extLst>
       <p:ext uri="{BB962C8B-B14F-4D97-AF65-F5344CB8AC3E}">
-        <p14:creationId xmlns:p14="http://schemas.microsoft.com/office/powerpoint/2010/main" val="3104396424"/>
+        <p14:creationId xmlns:p14="http://schemas.microsoft.com/office/powerpoint/2010/main" val="2117621305"/>
       </p:ext>
     </p:extLst>
   </p:cSld>
@@ -4215,17 +4222,17 @@
           <a:p>
             <a:r>
               <a:rPr lang="en-US" dirty="0"/>
-              <a:t>Florida Actual vs. Predicted Cases/100 People</a:t>
+              <a:t>Illinois Actual vs. Predicted Cases/100 People</a:t>
             </a:r>
           </a:p>
         </p:txBody>
       </p:sp>
       <p:pic>
         <p:nvPicPr>
-          <p:cNvPr id="6" name="Content Placeholder 5" descr="Chart, scatter chart&#10;&#10;Description automatically generated">
-            <a:extLst>
-              <a:ext uri="{FF2B5EF4-FFF2-40B4-BE49-F238E27FC236}">
-                <a16:creationId xmlns:a16="http://schemas.microsoft.com/office/drawing/2014/main" id="{B5D8A641-722E-4BC4-AA24-794FA7A51FEF}"/>
+          <p:cNvPr id="7" name="Content Placeholder 6" descr="Chart, scatter chart&#10;&#10;Description automatically generated">
+            <a:extLst>
+              <a:ext uri="{FF2B5EF4-FFF2-40B4-BE49-F238E27FC236}">
+                <a16:creationId xmlns:a16="http://schemas.microsoft.com/office/drawing/2014/main" id="{34ADBC9F-1070-460B-9826-FB93BD86CB62}"/>
               </a:ext>
             </a:extLst>
           </p:cNvPr>
@@ -4250,15 +4257,15 @@
         </p:blipFill>
         <p:spPr>
           <a:xfrm>
-            <a:off x="3462337" y="1929606"/>
-            <a:ext cx="5267325" cy="4143375"/>
+            <a:off x="3357562" y="1922122"/>
+            <a:ext cx="5476875" cy="4114800"/>
           </a:xfrm>
         </p:spPr>
       </p:pic>
     </p:spTree>
     <p:extLst>
       <p:ext uri="{BB962C8B-B14F-4D97-AF65-F5344CB8AC3E}">
-        <p14:creationId xmlns:p14="http://schemas.microsoft.com/office/powerpoint/2010/main" val="3223240645"/>
+        <p14:creationId xmlns:p14="http://schemas.microsoft.com/office/powerpoint/2010/main" val="2192931704"/>
       </p:ext>
     </p:extLst>
   </p:cSld>
@@ -4308,17 +4315,17 @@
           <a:p>
             <a:r>
               <a:rPr lang="en-US" dirty="0"/>
-              <a:t>New York Model Coefficients</a:t>
+              <a:t>Florida Model Coefficients</a:t>
             </a:r>
           </a:p>
         </p:txBody>
       </p:sp>
       <p:pic>
         <p:nvPicPr>
-          <p:cNvPr id="7" name="Content Placeholder 6" descr="Chart&#10;&#10;Description automatically generated">
-            <a:extLst>
-              <a:ext uri="{FF2B5EF4-FFF2-40B4-BE49-F238E27FC236}">
-                <a16:creationId xmlns:a16="http://schemas.microsoft.com/office/drawing/2014/main" id="{A11FB36C-9C2C-4369-ABEA-49CDFDA4CEEF}"/>
+          <p:cNvPr id="6" name="Content Placeholder 5" descr="Chart, bar chart&#10;&#10;Description automatically generated">
+            <a:extLst>
+              <a:ext uri="{FF2B5EF4-FFF2-40B4-BE49-F238E27FC236}">
+                <a16:creationId xmlns:a16="http://schemas.microsoft.com/office/drawing/2014/main" id="{AA003D15-BB49-4788-832D-AAE06D2DA9D4}"/>
               </a:ext>
             </a:extLst>
           </p:cNvPr>
@@ -4343,15 +4350,15 @@
         </p:blipFill>
         <p:spPr>
           <a:xfrm>
-            <a:off x="3054504" y="1825625"/>
-            <a:ext cx="6082992" cy="4351338"/>
+            <a:off x="2501614" y="1825625"/>
+            <a:ext cx="7188772" cy="4351338"/>
           </a:xfrm>
         </p:spPr>
       </p:pic>
     </p:spTree>
     <p:extLst>
       <p:ext uri="{BB962C8B-B14F-4D97-AF65-F5344CB8AC3E}">
-        <p14:creationId xmlns:p14="http://schemas.microsoft.com/office/powerpoint/2010/main" val="647782991"/>
+        <p14:creationId xmlns:p14="http://schemas.microsoft.com/office/powerpoint/2010/main" val="3104396424"/>
       </p:ext>
     </p:extLst>
   </p:cSld>
@@ -4406,17 +4413,17 @@
           <a:p>
             <a:r>
               <a:rPr lang="en-US" dirty="0"/>
-              <a:t>New York Actual vs. Predicted Cases/100 People</a:t>
+              <a:t>Florida Actual vs. Predicted Cases/100 People</a:t>
             </a:r>
           </a:p>
         </p:txBody>
       </p:sp>
       <p:pic>
         <p:nvPicPr>
-          <p:cNvPr id="7" name="Content Placeholder 6" descr="Chart, scatter chart&#10;&#10;Description automatically generated">
-            <a:extLst>
-              <a:ext uri="{FF2B5EF4-FFF2-40B4-BE49-F238E27FC236}">
-                <a16:creationId xmlns:a16="http://schemas.microsoft.com/office/drawing/2014/main" id="{FDFD8228-6D0C-4FEB-8AEC-D3B6A5FE8FAC}"/>
+          <p:cNvPr id="6" name="Content Placeholder 5" descr="Chart, scatter chart&#10;&#10;Description automatically generated">
+            <a:extLst>
+              <a:ext uri="{FF2B5EF4-FFF2-40B4-BE49-F238E27FC236}">
+                <a16:creationId xmlns:a16="http://schemas.microsoft.com/office/drawing/2014/main" id="{B5D8A641-722E-4BC4-AA24-794FA7A51FEF}"/>
               </a:ext>
             </a:extLst>
           </p:cNvPr>
@@ -4441,15 +4448,15 @@
         </p:blipFill>
         <p:spPr>
           <a:xfrm>
-            <a:off x="3248025" y="2001044"/>
-            <a:ext cx="5695950" cy="4000500"/>
+            <a:off x="3462337" y="1929606"/>
+            <a:ext cx="5267325" cy="4143375"/>
           </a:xfrm>
         </p:spPr>
       </p:pic>
     </p:spTree>
     <p:extLst>
       <p:ext uri="{BB962C8B-B14F-4D97-AF65-F5344CB8AC3E}">
-        <p14:creationId xmlns:p14="http://schemas.microsoft.com/office/powerpoint/2010/main" val="1960474759"/>
+        <p14:creationId xmlns:p14="http://schemas.microsoft.com/office/powerpoint/2010/main" val="3223240645"/>
       </p:ext>
     </p:extLst>
   </p:cSld>
@@ -4499,17 +4506,17 @@
           <a:p>
             <a:r>
               <a:rPr lang="en-US" dirty="0"/>
-              <a:t>Texas Model Coefficients</a:t>
+              <a:t>New York Model Coefficients</a:t>
             </a:r>
           </a:p>
         </p:txBody>
       </p:sp>
       <p:pic>
         <p:nvPicPr>
-          <p:cNvPr id="5" name="Content Placeholder 4" descr="Chart, bar chart&#10;&#10;Description automatically generated">
-            <a:extLst>
-              <a:ext uri="{FF2B5EF4-FFF2-40B4-BE49-F238E27FC236}">
-                <a16:creationId xmlns:a16="http://schemas.microsoft.com/office/drawing/2014/main" id="{801F32C6-A28D-486B-BFA4-C1A4F812BAC0}"/>
+          <p:cNvPr id="7" name="Content Placeholder 6" descr="Chart&#10;&#10;Description automatically generated">
+            <a:extLst>
+              <a:ext uri="{FF2B5EF4-FFF2-40B4-BE49-F238E27FC236}">
+                <a16:creationId xmlns:a16="http://schemas.microsoft.com/office/drawing/2014/main" id="{A11FB36C-9C2C-4369-ABEA-49CDFDA4CEEF}"/>
               </a:ext>
             </a:extLst>
           </p:cNvPr>
@@ -4534,15 +4541,15 @@
         </p:blipFill>
         <p:spPr>
           <a:xfrm>
-            <a:off x="2195512" y="2001044"/>
-            <a:ext cx="7800975" cy="4000500"/>
+            <a:off x="3054504" y="1825625"/>
+            <a:ext cx="6082992" cy="4351338"/>
           </a:xfrm>
         </p:spPr>
       </p:pic>
     </p:spTree>
     <p:extLst>
       <p:ext uri="{BB962C8B-B14F-4D97-AF65-F5344CB8AC3E}">
-        <p14:creationId xmlns:p14="http://schemas.microsoft.com/office/powerpoint/2010/main" val="3639859934"/>
+        <p14:creationId xmlns:p14="http://schemas.microsoft.com/office/powerpoint/2010/main" val="647782991"/>
       </p:ext>
     </p:extLst>
   </p:cSld>
@@ -4585,24 +4592,29 @@
             <p:ph type="title"/>
           </p:nvPr>
         </p:nvSpPr>
-        <p:spPr/>
+        <p:spPr>
+          <a:xfrm>
+            <a:off x="838199" y="365125"/>
+            <a:ext cx="11146971" cy="1325563"/>
+          </a:xfrm>
+        </p:spPr>
         <p:txBody>
           <a:bodyPr/>
           <a:lstStyle/>
           <a:p>
             <a:r>
               <a:rPr lang="en-US" dirty="0"/>
-              <a:t>Texas Actual vs. Predicted Cases/100 People</a:t>
+              <a:t>New York Actual vs. Predicted Cases/100 People</a:t>
             </a:r>
           </a:p>
         </p:txBody>
       </p:sp>
       <p:pic>
         <p:nvPicPr>
-          <p:cNvPr id="5" name="Content Placeholder 4" descr="Chart, scatter chart&#10;&#10;Description automatically generated">
-            <a:extLst>
-              <a:ext uri="{FF2B5EF4-FFF2-40B4-BE49-F238E27FC236}">
-                <a16:creationId xmlns:a16="http://schemas.microsoft.com/office/drawing/2014/main" id="{40E3C78B-C3BF-42D6-97C0-36B8EF889A17}"/>
+          <p:cNvPr id="7" name="Content Placeholder 6" descr="Chart, scatter chart&#10;&#10;Description automatically generated">
+            <a:extLst>
+              <a:ext uri="{FF2B5EF4-FFF2-40B4-BE49-F238E27FC236}">
+                <a16:creationId xmlns:a16="http://schemas.microsoft.com/office/drawing/2014/main" id="{FDFD8228-6D0C-4FEB-8AEC-D3B6A5FE8FAC}"/>
               </a:ext>
             </a:extLst>
           </p:cNvPr>
@@ -4627,15 +4639,108 @@
         </p:blipFill>
         <p:spPr>
           <a:xfrm>
-            <a:off x="3429000" y="1948656"/>
-            <a:ext cx="5334000" cy="4105275"/>
+            <a:off x="3248025" y="2001044"/>
+            <a:ext cx="5695950" cy="4000500"/>
           </a:xfrm>
         </p:spPr>
       </p:pic>
     </p:spTree>
     <p:extLst>
       <p:ext uri="{BB962C8B-B14F-4D97-AF65-F5344CB8AC3E}">
-        <p14:creationId xmlns:p14="http://schemas.microsoft.com/office/powerpoint/2010/main" val="2334430737"/>
+        <p14:creationId xmlns:p14="http://schemas.microsoft.com/office/powerpoint/2010/main" val="1960474759"/>
+      </p:ext>
+    </p:extLst>
+  </p:cSld>
+  <p:clrMapOvr>
+    <a:masterClrMapping/>
+  </p:clrMapOvr>
+</p:sld>
+</file>
+
+<file path=ppt/slides/slide19.xml><?xml version="1.0" encoding="utf-8"?>
+<p:sld xmlns:a="http://schemas.openxmlformats.org/drawingml/2006/main" xmlns:r="http://schemas.openxmlformats.org/officeDocument/2006/relationships" xmlns:p="http://schemas.openxmlformats.org/presentationml/2006/main">
+  <p:cSld>
+    <p:spTree>
+      <p:nvGrpSpPr>
+        <p:cNvPr id="1" name=""/>
+        <p:cNvGrpSpPr/>
+        <p:nvPr/>
+      </p:nvGrpSpPr>
+      <p:grpSpPr>
+        <a:xfrm>
+          <a:off x="0" y="0"/>
+          <a:ext cx="0" cy="0"/>
+          <a:chOff x="0" y="0"/>
+          <a:chExt cx="0" cy="0"/>
+        </a:xfrm>
+      </p:grpSpPr>
+      <p:sp>
+        <p:nvSpPr>
+          <p:cNvPr id="2" name="Title 1">
+            <a:extLst>
+              <a:ext uri="{FF2B5EF4-FFF2-40B4-BE49-F238E27FC236}">
+                <a16:creationId xmlns:a16="http://schemas.microsoft.com/office/drawing/2014/main" id="{599B2D2B-6FCD-4B18-8470-CCD831202017}"/>
+              </a:ext>
+            </a:extLst>
+          </p:cNvPr>
+          <p:cNvSpPr>
+            <a:spLocks noGrp="1"/>
+          </p:cNvSpPr>
+          <p:nvPr>
+            <p:ph type="title"/>
+          </p:nvPr>
+        </p:nvSpPr>
+        <p:spPr/>
+        <p:txBody>
+          <a:bodyPr/>
+          <a:lstStyle/>
+          <a:p>
+            <a:r>
+              <a:rPr lang="en-US" dirty="0"/>
+              <a:t>Texas Model Coefficients</a:t>
+            </a:r>
+          </a:p>
+        </p:txBody>
+      </p:sp>
+      <p:pic>
+        <p:nvPicPr>
+          <p:cNvPr id="5" name="Content Placeholder 4" descr="Chart, bar chart&#10;&#10;Description automatically generated">
+            <a:extLst>
+              <a:ext uri="{FF2B5EF4-FFF2-40B4-BE49-F238E27FC236}">
+                <a16:creationId xmlns:a16="http://schemas.microsoft.com/office/drawing/2014/main" id="{801F32C6-A28D-486B-BFA4-C1A4F812BAC0}"/>
+              </a:ext>
+            </a:extLst>
+          </p:cNvPr>
+          <p:cNvPicPr>
+            <a:picLocks noGrp="1" noChangeAspect="1"/>
+          </p:cNvPicPr>
+          <p:nvPr>
+            <p:ph idx="1"/>
+          </p:nvPr>
+        </p:nvPicPr>
+        <p:blipFill>
+          <a:blip r:embed="rId2">
+            <a:extLst>
+              <a:ext uri="{28A0092B-C50C-407E-A947-70E740481C1C}">
+                <a14:useLocalDpi xmlns:a14="http://schemas.microsoft.com/office/drawing/2010/main" val="0"/>
+              </a:ext>
+            </a:extLst>
+          </a:blip>
+          <a:stretch>
+            <a:fillRect/>
+          </a:stretch>
+        </p:blipFill>
+        <p:spPr>
+          <a:xfrm>
+            <a:off x="2195512" y="2001044"/>
+            <a:ext cx="7800975" cy="4000500"/>
+          </a:xfrm>
+        </p:spPr>
+      </p:pic>
+    </p:spTree>
+    <p:extLst>
+      <p:ext uri="{BB962C8B-B14F-4D97-AF65-F5344CB8AC3E}">
+        <p14:creationId xmlns:p14="http://schemas.microsoft.com/office/powerpoint/2010/main" val="3639859934"/>
       </p:ext>
     </p:extLst>
   </p:cSld>
@@ -5064,6 +5169,99 @@
     <p:extLst>
       <p:ext uri="{BB962C8B-B14F-4D97-AF65-F5344CB8AC3E}">
         <p14:creationId xmlns:p14="http://schemas.microsoft.com/office/powerpoint/2010/main" val="3424369992"/>
+      </p:ext>
+    </p:extLst>
+  </p:cSld>
+  <p:clrMapOvr>
+    <a:masterClrMapping/>
+  </p:clrMapOvr>
+</p:sld>
+</file>
+
+<file path=ppt/slides/slide20.xml><?xml version="1.0" encoding="utf-8"?>
+<p:sld xmlns:a="http://schemas.openxmlformats.org/drawingml/2006/main" xmlns:r="http://schemas.openxmlformats.org/officeDocument/2006/relationships" xmlns:p="http://schemas.openxmlformats.org/presentationml/2006/main">
+  <p:cSld>
+    <p:spTree>
+      <p:nvGrpSpPr>
+        <p:cNvPr id="1" name=""/>
+        <p:cNvGrpSpPr/>
+        <p:nvPr/>
+      </p:nvGrpSpPr>
+      <p:grpSpPr>
+        <a:xfrm>
+          <a:off x="0" y="0"/>
+          <a:ext cx="0" cy="0"/>
+          <a:chOff x="0" y="0"/>
+          <a:chExt cx="0" cy="0"/>
+        </a:xfrm>
+      </p:grpSpPr>
+      <p:sp>
+        <p:nvSpPr>
+          <p:cNvPr id="2" name="Title 1">
+            <a:extLst>
+              <a:ext uri="{FF2B5EF4-FFF2-40B4-BE49-F238E27FC236}">
+                <a16:creationId xmlns:a16="http://schemas.microsoft.com/office/drawing/2014/main" id="{72CAB8B0-FD76-4726-9D08-CA805ED105BB}"/>
+              </a:ext>
+            </a:extLst>
+          </p:cNvPr>
+          <p:cNvSpPr>
+            <a:spLocks noGrp="1"/>
+          </p:cNvSpPr>
+          <p:nvPr>
+            <p:ph type="title"/>
+          </p:nvPr>
+        </p:nvSpPr>
+        <p:spPr/>
+        <p:txBody>
+          <a:bodyPr/>
+          <a:lstStyle/>
+          <a:p>
+            <a:r>
+              <a:rPr lang="en-US" dirty="0"/>
+              <a:t>Texas Actual vs. Predicted Cases/100 People</a:t>
+            </a:r>
+          </a:p>
+        </p:txBody>
+      </p:sp>
+      <p:pic>
+        <p:nvPicPr>
+          <p:cNvPr id="5" name="Content Placeholder 4" descr="Chart, scatter chart&#10;&#10;Description automatically generated">
+            <a:extLst>
+              <a:ext uri="{FF2B5EF4-FFF2-40B4-BE49-F238E27FC236}">
+                <a16:creationId xmlns:a16="http://schemas.microsoft.com/office/drawing/2014/main" id="{40E3C78B-C3BF-42D6-97C0-36B8EF889A17}"/>
+              </a:ext>
+            </a:extLst>
+          </p:cNvPr>
+          <p:cNvPicPr>
+            <a:picLocks noGrp="1" noChangeAspect="1"/>
+          </p:cNvPicPr>
+          <p:nvPr>
+            <p:ph idx="1"/>
+          </p:nvPr>
+        </p:nvPicPr>
+        <p:blipFill>
+          <a:blip r:embed="rId2">
+            <a:extLst>
+              <a:ext uri="{28A0092B-C50C-407E-A947-70E740481C1C}">
+                <a14:useLocalDpi xmlns:a14="http://schemas.microsoft.com/office/drawing/2010/main" val="0"/>
+              </a:ext>
+            </a:extLst>
+          </a:blip>
+          <a:stretch>
+            <a:fillRect/>
+          </a:stretch>
+        </p:blipFill>
+        <p:spPr>
+          <a:xfrm>
+            <a:off x="3429000" y="1948656"/>
+            <a:ext cx="5334000" cy="4105275"/>
+          </a:xfrm>
+        </p:spPr>
+      </p:pic>
+    </p:spTree>
+    <p:extLst>
+      <p:ext uri="{BB962C8B-B14F-4D97-AF65-F5344CB8AC3E}">
+        <p14:creationId xmlns:p14="http://schemas.microsoft.com/office/powerpoint/2010/main" val="2334430737"/>
       </p:ext>
     </p:extLst>
   </p:cSld>
@@ -5671,17 +5869,17 @@
           <a:p>
             <a:r>
               <a:rPr lang="en-US" dirty="0"/>
-              <a:t>California Model Coefficients</a:t>
+              <a:t>General Model Coefficients</a:t>
             </a:r>
           </a:p>
         </p:txBody>
       </p:sp>
       <p:pic>
         <p:nvPicPr>
-          <p:cNvPr id="6" name="Content Placeholder 5" descr="Chart, bar chart&#10;&#10;Description automatically generated">
-            <a:extLst>
-              <a:ext uri="{FF2B5EF4-FFF2-40B4-BE49-F238E27FC236}">
-                <a16:creationId xmlns:a16="http://schemas.microsoft.com/office/drawing/2014/main" id="{8A4F7D4B-AA58-429B-8054-981A48F8C550}"/>
+          <p:cNvPr id="7" name="Content Placeholder 6" descr="Chart, bar chart&#10;&#10;Description automatically generated">
+            <a:extLst>
+              <a:ext uri="{FF2B5EF4-FFF2-40B4-BE49-F238E27FC236}">
+                <a16:creationId xmlns:a16="http://schemas.microsoft.com/office/drawing/2014/main" id="{2B199663-D57C-46B2-9071-0F3C617AC1E7}"/>
               </a:ext>
             </a:extLst>
           </p:cNvPr>
@@ -5706,15 +5904,15 @@
         </p:blipFill>
         <p:spPr>
           <a:xfrm>
-            <a:off x="3032303" y="1825625"/>
-            <a:ext cx="6127394" cy="4351338"/>
+            <a:off x="3050063" y="1825625"/>
+            <a:ext cx="6091873" cy="4351338"/>
           </a:xfrm>
         </p:spPr>
       </p:pic>
     </p:spTree>
     <p:extLst>
       <p:ext uri="{BB962C8B-B14F-4D97-AF65-F5344CB8AC3E}">
-        <p14:creationId xmlns:p14="http://schemas.microsoft.com/office/powerpoint/2010/main" val="2011269752"/>
+        <p14:creationId xmlns:p14="http://schemas.microsoft.com/office/powerpoint/2010/main" val="3169410712"/>
       </p:ext>
     </p:extLst>
   </p:cSld>

--- a/2020_10_30_covid_usa_analysis_draft.pptx
+++ b/2020_10_30_covid_usa_analysis_draft.pptx
@@ -121,6 +121,11 @@
       </a:defRPr>
     </a:lvl9pPr>
   </p:defaultTextStyle>
+  <p:extLst>
+    <p:ext uri="{EFAFB233-063F-42B5-8137-9DF3F51BA10A}">
+      <p15:sldGuideLst xmlns:p15="http://schemas.microsoft.com/office/powerpoint/2012/main"/>
+    </p:ext>
+  </p:extLst>
 </p:presentation>
 </file>
 
@@ -271,7 +276,7 @@
           <a:p>
             <a:fld id="{C5228E36-97FC-4C74-BA8B-E69A19101CDC}" type="datetimeFigureOut">
               <a:rPr lang="en-US" smtClean="0"/>
-              <a:t>10/28/2020</a:t>
+              <a:t>10/28/20</a:t>
             </a:fld>
             <a:endParaRPr lang="en-US"/>
           </a:p>
@@ -469,7 +474,7 @@
           <a:p>
             <a:fld id="{C5228E36-97FC-4C74-BA8B-E69A19101CDC}" type="datetimeFigureOut">
               <a:rPr lang="en-US" smtClean="0"/>
-              <a:t>10/28/2020</a:t>
+              <a:t>10/28/20</a:t>
             </a:fld>
             <a:endParaRPr lang="en-US"/>
           </a:p>
@@ -677,7 +682,7 @@
           <a:p>
             <a:fld id="{C5228E36-97FC-4C74-BA8B-E69A19101CDC}" type="datetimeFigureOut">
               <a:rPr lang="en-US" smtClean="0"/>
-              <a:t>10/28/2020</a:t>
+              <a:t>10/28/20</a:t>
             </a:fld>
             <a:endParaRPr lang="en-US"/>
           </a:p>
@@ -875,7 +880,7 @@
           <a:p>
             <a:fld id="{C5228E36-97FC-4C74-BA8B-E69A19101CDC}" type="datetimeFigureOut">
               <a:rPr lang="en-US" smtClean="0"/>
-              <a:t>10/28/2020</a:t>
+              <a:t>10/28/20</a:t>
             </a:fld>
             <a:endParaRPr lang="en-US"/>
           </a:p>
@@ -1150,7 +1155,7 @@
           <a:p>
             <a:fld id="{C5228E36-97FC-4C74-BA8B-E69A19101CDC}" type="datetimeFigureOut">
               <a:rPr lang="en-US" smtClean="0"/>
-              <a:t>10/28/2020</a:t>
+              <a:t>10/28/20</a:t>
             </a:fld>
             <a:endParaRPr lang="en-US"/>
           </a:p>
@@ -1415,7 +1420,7 @@
           <a:p>
             <a:fld id="{C5228E36-97FC-4C74-BA8B-E69A19101CDC}" type="datetimeFigureOut">
               <a:rPr lang="en-US" smtClean="0"/>
-              <a:t>10/28/2020</a:t>
+              <a:t>10/28/20</a:t>
             </a:fld>
             <a:endParaRPr lang="en-US"/>
           </a:p>
@@ -1827,7 +1832,7 @@
           <a:p>
             <a:fld id="{C5228E36-97FC-4C74-BA8B-E69A19101CDC}" type="datetimeFigureOut">
               <a:rPr lang="en-US" smtClean="0"/>
-              <a:t>10/28/2020</a:t>
+              <a:t>10/28/20</a:t>
             </a:fld>
             <a:endParaRPr lang="en-US"/>
           </a:p>
@@ -1968,7 +1973,7 @@
           <a:p>
             <a:fld id="{C5228E36-97FC-4C74-BA8B-E69A19101CDC}" type="datetimeFigureOut">
               <a:rPr lang="en-US" smtClean="0"/>
-              <a:t>10/28/2020</a:t>
+              <a:t>10/28/20</a:t>
             </a:fld>
             <a:endParaRPr lang="en-US"/>
           </a:p>
@@ -2081,7 +2086,7 @@
           <a:p>
             <a:fld id="{C5228E36-97FC-4C74-BA8B-E69A19101CDC}" type="datetimeFigureOut">
               <a:rPr lang="en-US" smtClean="0"/>
-              <a:t>10/28/2020</a:t>
+              <a:t>10/28/20</a:t>
             </a:fld>
             <a:endParaRPr lang="en-US"/>
           </a:p>
@@ -2392,7 +2397,7 @@
           <a:p>
             <a:fld id="{C5228E36-97FC-4C74-BA8B-E69A19101CDC}" type="datetimeFigureOut">
               <a:rPr lang="en-US" smtClean="0"/>
-              <a:t>10/28/2020</a:t>
+              <a:t>10/28/20</a:t>
             </a:fld>
             <a:endParaRPr lang="en-US"/>
           </a:p>
@@ -2680,7 +2685,7 @@
           <a:p>
             <a:fld id="{C5228E36-97FC-4C74-BA8B-E69A19101CDC}" type="datetimeFigureOut">
               <a:rPr lang="en-US" smtClean="0"/>
-              <a:t>10/28/2020</a:t>
+              <a:t>10/28/20</a:t>
             </a:fld>
             <a:endParaRPr lang="en-US"/>
           </a:p>
@@ -2921,7 +2926,7 @@
           <a:p>
             <a:fld id="{C5228E36-97FC-4C74-BA8B-E69A19101CDC}" type="datetimeFigureOut">
               <a:rPr lang="en-US" smtClean="0"/>
-              <a:t>10/28/2020</a:t>
+              <a:t>10/28/20</a:t>
             </a:fld>
             <a:endParaRPr lang="en-US"/>
           </a:p>
@@ -3593,24 +3598,23 @@
           <a:p>
             <a:pPr algn="l"/>
             <a:r>
-              <a:rPr lang="en-US" sz="2000"/>
+              <a:rPr lang="en-US" sz="2000" dirty="0"/>
               <a:t>Caroline Clark</a:t>
             </a:r>
           </a:p>
           <a:p>
             <a:pPr algn="l"/>
             <a:r>
-              <a:rPr lang="en-US" sz="2000"/>
-              <a:t>Feras Atwal</a:t>
+              <a:rPr lang="en-US" sz="2000" dirty="0"/>
+              <a:t>Feras Altwal</a:t>
             </a:r>
           </a:p>
           <a:p>
             <a:pPr algn="l"/>
             <a:r>
-              <a:rPr lang="en-US" sz="2000"/>
+              <a:rPr lang="en-US" sz="2000" dirty="0"/>
               <a:t>James Lee</a:t>
             </a:r>
-            <a:endParaRPr lang="en-US" sz="2000" dirty="0"/>
           </a:p>
         </p:txBody>
       </p:sp>
